--- a/presentation/2022.08.17.pptx
+++ b/presentation/2022.08.17.pptx
@@ -266,7 +266,7 @@
           <a:p>
             <a:fld id="{3B653B65-7BB5-4D60-9879-5AFC8E04B446}" type="datetimeFigureOut">
               <a:rPr lang="ko-KR" altLang="en-US" smtClean="0"/>
-              <a:t>2022-08-16</a:t>
+              <a:t>2022-08-18</a:t>
             </a:fld>
             <a:endParaRPr lang="ko-KR" altLang="en-US"/>
           </a:p>
@@ -3553,18 +3553,18 @@
 </file>
 
 <file path=customXml/item1.xml><?xml version="1.0" encoding="utf-8"?>
+<p:properties xmlns:p="http://schemas.microsoft.com/office/2006/metadata/properties" xmlns:xsi="http://www.w3.org/2001/XMLSchema-instance" xmlns:pc="http://schemas.microsoft.com/office/infopath/2007/PartnerControls">
+  <documentManagement/>
+</p:properties>
+</file>
+
+<file path=customXml/item2.xml><?xml version="1.0" encoding="utf-8"?>
 <?mso-contentType ?>
 <FormTemplates xmlns="http://schemas.microsoft.com/sharepoint/v3/contenttype/forms">
   <Display>DocumentLibraryForm</Display>
   <Edit>DocumentLibraryForm</Edit>
   <New>DocumentLibraryForm</New>
 </FormTemplates>
-</file>
-
-<file path=customXml/item2.xml><?xml version="1.0" encoding="utf-8"?>
-<p:properties xmlns:p="http://schemas.microsoft.com/office/2006/metadata/properties" xmlns:xsi="http://www.w3.org/2001/XMLSchema-instance" xmlns:pc="http://schemas.microsoft.com/office/infopath/2007/PartnerControls">
-  <documentManagement/>
-</p:properties>
 </file>
 
 <file path=customXml/item3.xml><?xml version="1.0" encoding="utf-8"?>
@@ -3714,14 +3714,6 @@
 </file>
 
 <file path=customXml/itemProps1.xml><?xml version="1.0" encoding="utf-8"?>
-<ds:datastoreItem xmlns:ds="http://schemas.openxmlformats.org/officeDocument/2006/customXml" ds:itemID="{B4439D84-3CAD-489C-8F3A-67CA25FC743C}">
-  <ds:schemaRefs>
-    <ds:schemaRef ds:uri="http://schemas.microsoft.com/sharepoint/v3/contenttype/forms"/>
-  </ds:schemaRefs>
-</ds:datastoreItem>
-</file>
-
-<file path=customXml/itemProps2.xml><?xml version="1.0" encoding="utf-8"?>
 <ds:datastoreItem xmlns:ds="http://schemas.openxmlformats.org/officeDocument/2006/customXml" ds:itemID="{ED3730AB-E161-45AD-BBCF-0F12BB7EA236}">
   <ds:schemaRefs>
     <ds:schemaRef ds:uri="http://www.w3.org/XML/1998/namespace"/>
@@ -3733,6 +3725,14 @@
     <ds:schemaRef ds:uri="http://schemas.microsoft.com/office/infopath/2007/PartnerControls"/>
     <ds:schemaRef ds:uri="7673c17b-b18f-47f9-804f-a397dddebb19"/>
     <ds:schemaRef ds:uri="http://schemas.microsoft.com/office/2006/metadata/properties"/>
+  </ds:schemaRefs>
+</ds:datastoreItem>
+</file>
+
+<file path=customXml/itemProps2.xml><?xml version="1.0" encoding="utf-8"?>
+<ds:datastoreItem xmlns:ds="http://schemas.openxmlformats.org/officeDocument/2006/customXml" ds:itemID="{B4439D84-3CAD-489C-8F3A-67CA25FC743C}">
+  <ds:schemaRefs>
+    <ds:schemaRef ds:uri="http://schemas.microsoft.com/sharepoint/v3/contenttype/forms"/>
   </ds:schemaRefs>
 </ds:datastoreItem>
 </file>
